--- a/slides/cm054.pptx
+++ b/slides/cm054.pptx
@@ -267,7 +267,7 @@
           <a:p>
             <a:fld id="{D892787D-A5B2-4328-8CE2-4C85C6E32F02}" type="datetimeFigureOut">
               <a:rPr lang="en-US" smtClean="0"/>
-              <a:t>11/28/2018</a:t>
+              <a:t>11/23/2019</a:t>
             </a:fld>
             <a:endParaRPr lang="en-US"/>
           </a:p>
@@ -432,7 +432,7 @@
           <a:p>
             <a:fld id="{50ACD31E-0B1B-49FF-BDD5-606B5FD0B927}" type="datetimeFigureOut">
               <a:rPr lang="en-US" smtClean="0"/>
-              <a:t>11/28/2018</a:t>
+              <a:t>11/23/2019</a:t>
             </a:fld>
             <a:endParaRPr lang="en-US"/>
           </a:p>
@@ -2204,11 +2204,7 @@
             </a:r>
             <a:r>
               <a:rPr lang="en-US" dirty="0" smtClean="0"/>
-              <a:t> -  easy adjusted means and sd. </a:t>
-            </a:r>
-            <a:r>
-              <a:rPr lang="en-US" dirty="0" smtClean="0"/>
-              <a:t>Adjusted for variable we’re not seeing (</a:t>
+              <a:t> -  easy adjusted means and sd. Adjusted for variable we’re not seeing (</a:t>
             </a:r>
             <a:r>
               <a:rPr lang="en-US" dirty="0" err="1" smtClean="0"/>
@@ -3974,7 +3970,7 @@
             <a:fld id="{C8A432C8-69A7-458B-9684-2BFA64B31948}" type="datetime2">
               <a:rPr lang="en-US" smtClean="0"/>
               <a:pPr/>
-              <a:t>Wednesday, November 28, 2018</a:t>
+              <a:t>Saturday, November 23, 2019</a:t>
             </a:fld>
             <a:endParaRPr lang="en-US"/>
           </a:p>
@@ -4182,7 +4178,7 @@
             <a:fld id="{8CC057FC-95B6-4D89-AFDA-ABA33EE921E5}" type="datetime2">
               <a:rPr lang="en-US" smtClean="0"/>
               <a:pPr/>
-              <a:t>Wednesday, November 28, 2018</a:t>
+              <a:t>Saturday, November 23, 2019</a:t>
             </a:fld>
             <a:endParaRPr lang="en-US"/>
           </a:p>
@@ -4365,7 +4361,7 @@
             <a:fld id="{EC4549AC-EB31-477F-92A9-B1988E232878}" type="datetime2">
               <a:rPr lang="en-US" smtClean="0"/>
               <a:pPr/>
-              <a:t>Wednesday, November 28, 2018</a:t>
+              <a:t>Saturday, November 23, 2019</a:t>
             </a:fld>
             <a:endParaRPr lang="en-US"/>
           </a:p>
@@ -4538,7 +4534,7 @@
             <a:fld id="{6396A3A3-94A6-4E5B-AF39-173ACA3E61CC}" type="datetime2">
               <a:rPr lang="en-US" smtClean="0"/>
               <a:pPr/>
-              <a:t>Wednesday, November 28, 2018</a:t>
+              <a:t>Saturday, November 23, 2019</a:t>
             </a:fld>
             <a:endParaRPr lang="en-US"/>
           </a:p>
@@ -4794,7 +4790,7 @@
             <a:fld id="{9933D019-A32C-4EAD-B8E6-DBDA699692FD}" type="datetime2">
               <a:rPr lang="en-US" smtClean="0"/>
               <a:pPr/>
-              <a:t>Wednesday, November 28, 2018</a:t>
+              <a:t>Saturday, November 23, 2019</a:t>
             </a:fld>
             <a:endParaRPr lang="en-US"/>
           </a:p>
@@ -5120,7 +5116,7 @@
             <a:fld id="{CCEBA98F-560C-4997-81C4-81D4D9187EAB}" type="datetime2">
               <a:rPr lang="en-US" smtClean="0"/>
               <a:pPr/>
-              <a:t>Wednesday, November 28, 2018</a:t>
+              <a:t>Saturday, November 23, 2019</a:t>
             </a:fld>
             <a:endParaRPr lang="en-US"/>
           </a:p>
@@ -5594,7 +5590,7 @@
             <a:fld id="{150972B2-CA5C-437D-87D0-8081271A9E4B}" type="datetime2">
               <a:rPr lang="en-US" smtClean="0"/>
               <a:pPr/>
-              <a:t>Wednesday, November 28, 2018</a:t>
+              <a:t>Saturday, November 23, 2019</a:t>
             </a:fld>
             <a:endParaRPr lang="en-US"/>
           </a:p>
@@ -5750,7 +5746,7 @@
             <a:fld id="{79CD4847-11EF-4466-A8AD-85CDB7B49118}" type="datetime2">
               <a:rPr lang="en-US" smtClean="0"/>
               <a:pPr/>
-              <a:t>Wednesday, November 28, 2018</a:t>
+              <a:t>Saturday, November 23, 2019</a:t>
             </a:fld>
             <a:endParaRPr lang="en-US"/>
           </a:p>
@@ -5848,7 +5844,7 @@
             <a:fld id="{F168457A-3AB9-4880-8A0C-9F8524491207}" type="datetime2">
               <a:rPr lang="en-US" smtClean="0"/>
               <a:pPr/>
-              <a:t>Wednesday, November 28, 2018</a:t>
+              <a:t>Saturday, November 23, 2019</a:t>
             </a:fld>
             <a:endParaRPr lang="en-US"/>
           </a:p>
@@ -6130,7 +6126,7 @@
             <a:fld id="{3FE976D3-5B7F-4300-ABED-C91F1B2AE209}" type="datetime2">
               <a:rPr lang="en-US" smtClean="0"/>
               <a:pPr/>
-              <a:t>Wednesday, November 28, 2018</a:t>
+              <a:t>Saturday, November 23, 2019</a:t>
             </a:fld>
             <a:endParaRPr lang="en-US"/>
           </a:p>
@@ -6443,7 +6439,7 @@
             <a:fld id="{EBDC1E59-17DD-41CE-97CA-624A472382D4}" type="datetime2">
               <a:rPr lang="en-US" smtClean="0"/>
               <a:pPr/>
-              <a:t>Wednesday, November 28, 2018</a:t>
+              <a:t>Saturday, November 23, 2019</a:t>
             </a:fld>
             <a:endParaRPr lang="en-US"/>
           </a:p>
@@ -6760,7 +6756,7 @@
             <a:fld id="{A80CB818-7379-467D-8E76-EF9D9074A26C}" type="datetime2">
               <a:rPr lang="en-US" smtClean="0"/>
               <a:pPr/>
-              <a:t>Wednesday, November 28, 2018</a:t>
+              <a:t>Saturday, November 23, 2019</a:t>
             </a:fld>
             <a:endParaRPr lang="en-US" dirty="0"/>
           </a:p>
@@ -10091,75 +10087,22 @@
               <a:buNone/>
             </a:pPr>
             <a:r>
-              <a:rPr lang="en-US" sz="1200" b="1" dirty="0">
+              <a:rPr lang="en-US" sz="1200" b="1" dirty="0" smtClean="0">
                 <a:solidFill>
                   <a:schemeClr val="accent1"/>
                 </a:solidFill>
                 <a:latin typeface="Courier New"/>
                 <a:cs typeface="Courier New"/>
               </a:rPr>
-              <a:t>lm(</a:t>
-            </a:r>
-            <a:r>
-              <a:rPr lang="en-US" sz="1200" b="1" dirty="0" err="1">
-                <a:solidFill>
-                  <a:schemeClr val="accent1"/>
-                </a:solidFill>
-                <a:latin typeface="Courier New"/>
-                <a:cs typeface="Courier New"/>
-              </a:rPr>
-              <a:t>prop_given</a:t>
-            </a:r>
-            <a:r>
-              <a:rPr lang="en-US" sz="1200" b="1" dirty="0">
-                <a:solidFill>
-                  <a:schemeClr val="accent1"/>
-                </a:solidFill>
-                <a:latin typeface="Courier New"/>
-                <a:cs typeface="Courier New"/>
-              </a:rPr>
-              <a:t> ~ </a:t>
-            </a:r>
-            <a:r>
-              <a:rPr lang="en-US" sz="1200" b="1" dirty="0" err="1">
-                <a:solidFill>
-                  <a:schemeClr val="accent1"/>
-                </a:solidFill>
-                <a:latin typeface="Courier New"/>
-                <a:cs typeface="Courier New"/>
-              </a:rPr>
-              <a:t>age_group</a:t>
-            </a:r>
-            <a:r>
-              <a:rPr lang="en-US" sz="1200" b="1" dirty="0">
-                <a:solidFill>
-                  <a:schemeClr val="accent1"/>
-                </a:solidFill>
-                <a:latin typeface="Courier New"/>
-                <a:cs typeface="Courier New"/>
-              </a:rPr>
-              <a:t> + </a:t>
-            </a:r>
-            <a:r>
-              <a:rPr lang="en-US" sz="1200" b="1" dirty="0" err="1">
-                <a:solidFill>
-                  <a:schemeClr val="accent1"/>
-                </a:solidFill>
-                <a:latin typeface="Courier New"/>
-                <a:cs typeface="Courier New"/>
-              </a:rPr>
-              <a:t>num_env</a:t>
-            </a:r>
-            <a:r>
-              <a:rPr lang="en-US" sz="1200" b="1" dirty="0">
-                <a:solidFill>
-                  <a:schemeClr val="accent1"/>
-                </a:solidFill>
-                <a:latin typeface="Courier New"/>
-                <a:cs typeface="Courier New"/>
-              </a:rPr>
-              <a:t>, data = givers)</a:t>
-            </a:r>
+              <a:t>Recall – the intercept represent the unspecified group</a:t>
+            </a:r>
+            <a:endParaRPr lang="en-US" sz="1200" b="1" dirty="0">
+              <a:solidFill>
+                <a:schemeClr val="accent1"/>
+              </a:solidFill>
+              <a:latin typeface="Courier New"/>
+              <a:cs typeface="Courier New"/>
+            </a:endParaRPr>
           </a:p>
           <a:p>
             <a:pPr marL="0" indent="0">
@@ -12556,7 +12499,7 @@
         </p:blipFill>
         <p:spPr>
           <a:xfrm>
-            <a:off x="1524000" y="1143000"/>
+            <a:off x="1524000" y="1155879"/>
             <a:ext cx="9144000" cy="5715000"/>
           </a:xfrm>
           <a:prstGeom prst="rect">
@@ -24919,167 +24862,87 @@
           <a:lstStyle/>
           <a:p>
             <a:r>
-              <a:rPr lang="en-US" dirty="0"/>
-              <a:t>T</a:t>
-            </a:r>
-            <a:r>
               <a:rPr lang="en-US" dirty="0" smtClean="0"/>
-              <a:t>he separate </a:t>
-            </a:r>
-            <a:r>
-              <a:rPr lang="en-US" dirty="0"/>
-              <a:t>partial effects, or </a:t>
-            </a:r>
-            <a:r>
-              <a:rPr lang="en-US" i="1" dirty="0"/>
+              <a:t>The separate partial effects, or </a:t>
+            </a:r>
+            <a:r>
+              <a:rPr lang="en-US" i="1" dirty="0" smtClean="0"/>
               <a:t>main effects</a:t>
             </a:r>
             <a:r>
-              <a:rPr lang="en-US" dirty="0"/>
-              <a:t>, of </a:t>
-            </a:r>
-            <a:r>
               <a:rPr lang="en-US" dirty="0" smtClean="0"/>
-              <a:t>age group </a:t>
-            </a:r>
-            <a:r>
-              <a:rPr lang="en-US" dirty="0"/>
-              <a:t>and gender are </a:t>
-            </a:r>
-            <a:r>
-              <a:rPr lang="en-US" i="1" dirty="0"/>
+              <a:t>, of age group and gender are </a:t>
+            </a:r>
+            <a:r>
+              <a:rPr lang="en-US" i="1" dirty="0" smtClean="0"/>
               <a:t>marginal </a:t>
             </a:r>
             <a:r>
-              <a:rPr lang="en-US" dirty="0"/>
-              <a:t>to the </a:t>
-            </a:r>
-            <a:r>
               <a:rPr lang="en-US" dirty="0" smtClean="0"/>
-              <a:t>age group-</a:t>
-            </a:r>
-            <a:r>
-              <a:rPr lang="en-US" dirty="0"/>
-              <a:t>by-gender interaction. </a:t>
-            </a:r>
-          </a:p>
-          <a:p>
-            <a:r>
-              <a:rPr lang="en-US" dirty="0"/>
-              <a:t>I</a:t>
-            </a:r>
+              <a:t>to the age group-by-gender interaction. </a:t>
+            </a:r>
+          </a:p>
+          <a:p>
             <a:r>
               <a:rPr lang="en-US" dirty="0" smtClean="0"/>
-              <a:t>n </a:t>
-            </a:r>
-            <a:r>
-              <a:rPr lang="en-US" dirty="0"/>
-              <a:t>general, we neither test nor interpret main effects of explanatory variables that </a:t>
-            </a:r>
+              <a:t>In general, we neither test nor interpret main effects of explanatory variables that interact.</a:t>
+            </a:r>
+          </a:p>
+          <a:p>
+            <a:pPr lvl="1"/>
             <a:r>
               <a:rPr lang="en-US" dirty="0" smtClean="0"/>
-              <a:t>interact.</a:t>
-            </a:r>
-            <a:endParaRPr lang="en-US" dirty="0"/>
+              <a:t>If we can rule out interaction either on theoretical or empirical grounds, then we can proceed to test, estimate, and interpret main effects. </a:t>
+            </a:r>
+          </a:p>
+          <a:p>
+            <a:r>
+              <a:rPr lang="en-US" dirty="0" smtClean="0"/>
+              <a:t>It does not generally make sense to specify and fit models that include interaction </a:t>
+            </a:r>
+            <a:r>
+              <a:rPr lang="en-US" dirty="0" err="1" smtClean="0"/>
+              <a:t>regressors</a:t>
+            </a:r>
+            <a:r>
+              <a:rPr lang="en-US" dirty="0" smtClean="0"/>
+              <a:t> but that delete main effects that are marginal to them.</a:t>
+            </a:r>
           </a:p>
           <a:p>
             <a:pPr lvl="1"/>
             <a:r>
               <a:rPr lang="en-US" dirty="0" smtClean="0"/>
-              <a:t>If </a:t>
-            </a:r>
-            <a:r>
-              <a:rPr lang="en-US" dirty="0"/>
-              <a:t>we can rule out interaction either on theoretical or empirical grounds</a:t>
+              <a:t>Such models — which violate the </a:t>
+            </a:r>
+            <a:r>
+              <a:rPr lang="en-US" i="1" dirty="0" smtClean="0"/>
+              <a:t>principle of marginality </a:t>
             </a:r>
             <a:r>
               <a:rPr lang="en-US" dirty="0" smtClean="0"/>
-              <a:t>, then </a:t>
-            </a:r>
-            <a:r>
-              <a:rPr lang="en-US" dirty="0"/>
-              <a:t>we can proceed to test, estimate, and interpret main effects. </a:t>
-            </a:r>
-          </a:p>
-          <a:p>
+              <a:t>— are interpretable, but they are not broadly applicable. </a:t>
+            </a:r>
+          </a:p>
+          <a:p>
+            <a:r>
+              <a:rPr lang="en-US" b="1" dirty="0" smtClean="0">
+                <a:latin typeface="Courier New"/>
+                <a:cs typeface="Courier New"/>
+              </a:rPr>
+              <a:t>?</a:t>
+            </a:r>
+            <a:r>
+              <a:rPr lang="en-US" b="1" dirty="0" err="1" smtClean="0">
+                <a:latin typeface="Courier New"/>
+                <a:cs typeface="Courier New"/>
+              </a:rPr>
+              <a:t>Anova</a:t>
+            </a:r>
             <a:r>
               <a:rPr lang="en-US" dirty="0" smtClean="0"/>
-              <a:t>It </a:t>
-            </a:r>
-            <a:r>
-              <a:rPr lang="en-US" dirty="0"/>
-              <a:t>does not generally make sense to specify and fit models that include interaction </a:t>
-            </a:r>
-            <a:r>
-              <a:rPr lang="en-US" dirty="0" err="1"/>
-              <a:t>regressors</a:t>
-            </a:r>
-            <a:r>
-              <a:rPr lang="en-US" dirty="0"/>
-              <a:t> but that delete main effects that are marginal to </a:t>
-            </a:r>
-            <a:r>
-              <a:rPr lang="en-US" dirty="0" smtClean="0"/>
-              <a:t>them.</a:t>
-            </a:r>
-            <a:endParaRPr lang="en-US" dirty="0"/>
-          </a:p>
-          <a:p>
-            <a:pPr lvl="1"/>
-            <a:r>
-              <a:rPr lang="en-US" dirty="0" smtClean="0"/>
-              <a:t>Such </a:t>
-            </a:r>
-            <a:r>
-              <a:rPr lang="en-US" dirty="0"/>
-              <a:t>models — which violate the </a:t>
-            </a:r>
-            <a:r>
-              <a:rPr lang="en-US" i="1" dirty="0"/>
-              <a:t>principle of marginality </a:t>
-            </a:r>
-            <a:r>
-              <a:rPr lang="en-US" dirty="0"/>
-              <a:t>— </a:t>
-            </a:r>
-            <a:r>
-              <a:rPr lang="en-US" dirty="0" smtClean="0"/>
-              <a:t>are interpretable</a:t>
-            </a:r>
-            <a:r>
-              <a:rPr lang="en-US" dirty="0"/>
-              <a:t>, but they are not broadly applicable. </a:t>
-            </a:r>
-            <a:endParaRPr lang="en-US" dirty="0" smtClean="0"/>
-          </a:p>
-          <a:p>
-            <a:r>
-              <a:rPr lang="en-US" b="1" dirty="0" smtClean="0">
-                <a:latin typeface="Courier New"/>
-                <a:cs typeface="Courier New"/>
-              </a:rPr>
-              <a:t>?</a:t>
-            </a:r>
-            <a:r>
-              <a:rPr lang="en-US" b="1" dirty="0" err="1" smtClean="0">
-                <a:latin typeface="Courier New"/>
-                <a:cs typeface="Courier New"/>
-              </a:rPr>
-              <a:t>Anova</a:t>
-            </a:r>
-            <a:r>
-              <a:rPr lang="en-US" dirty="0" smtClean="0"/>
-              <a:t>: “Type</a:t>
-            </a:r>
-            <a:r>
-              <a:rPr lang="en-US" dirty="0"/>
-              <a:t>-II tests are calculated according to the principle of marginality, testing each term after all others, except ignoring the term's higher-order relatives; so-called type-III tests violate marginality, testing each term in the model after all of the others</a:t>
-            </a:r>
-            <a:r>
-              <a:rPr lang="en-US" dirty="0" smtClean="0"/>
-              <a:t>.”</a:t>
-            </a:r>
-            <a:endParaRPr lang="en-US" dirty="0"/>
+              <a:t>: “Type-II tests are calculated according to the principle of marginality, testing each term after all others, except ignoring the term's higher-order relatives; so-called type-III tests violate marginality, testing each term in the model after all of the others.”</a:t>
+            </a:r>
           </a:p>
           <a:p>
             <a:endParaRPr lang="en-US" dirty="0"/>
@@ -26466,7 +26329,7 @@
         </p:blipFill>
         <p:spPr>
           <a:xfrm>
-            <a:off x="8657166" y="5147733"/>
+            <a:off x="8657166" y="5109633"/>
             <a:ext cx="2010834" cy="1930400"/>
           </a:xfrm>
           <a:prstGeom prst="rect">
